--- a/prezentace/prezentace.pptx
+++ b/prezentace/prezentace.pptx
@@ -7,6 +7,9 @@
   <p:sldIdLst>
     <p:sldId id="256" r:id="rId2"/>
     <p:sldId id="257" r:id="rId3"/>
+    <p:sldId id="259" r:id="rId4"/>
+    <p:sldId id="258" r:id="rId5"/>
+    <p:sldId id="260" r:id="rId6"/>
   </p:sldIdLst>
   <p:sldSz cx="9144000" cy="6858000" type="screen4x3"/>
   <p:notesSz cx="6858000" cy="9144000"/>
@@ -2982,7 +2985,12 @@
             <p:ph type="ctrTitle"/>
           </p:nvPr>
         </p:nvSpPr>
-        <p:spPr/>
+        <p:spPr>
+          <a:xfrm>
+            <a:off x="685800" y="2829477"/>
+            <a:ext cx="7772400" cy="2387600"/>
+          </a:xfrm>
+        </p:spPr>
         <p:txBody>
           <a:bodyPr>
             <a:normAutofit fontScale="90000"/>
@@ -3030,9 +3038,16 @@
             <p:ph type="subTitle" idx="1"/>
           </p:nvPr>
         </p:nvSpPr>
-        <p:spPr/>
-        <p:txBody>
-          <a:bodyPr/>
+        <p:spPr>
+          <a:xfrm>
+            <a:off x="1143000" y="5217077"/>
+            <a:ext cx="6858000" cy="1655762"/>
+          </a:xfrm>
+        </p:spPr>
+        <p:txBody>
+          <a:bodyPr>
+            <a:normAutofit/>
+          </a:bodyPr>
           <a:lstStyle/>
           <a:p>
             <a:r>
@@ -3051,13 +3066,23 @@
                 <a:ea typeface="Helvetica Light" charset="0"/>
                 <a:cs typeface="Helvetica Light" charset="0"/>
               </a:rPr>
-              <a:t>KAL0199</a:t>
-            </a:r>
-            <a:endParaRPr lang="cs-CZ" dirty="0">
+              <a:t>20. 12. 2015</a:t>
+            </a:r>
+            <a:endParaRPr lang="cs-CZ" dirty="0" smtClean="0">
               <a:latin typeface="Helvetica Light" charset="0"/>
               <a:ea typeface="Helvetica Light" charset="0"/>
               <a:cs typeface="Helvetica Light" charset="0"/>
             </a:endParaRPr>
+          </a:p>
+          <a:p>
+            <a:r>
+              <a:rPr lang="cs-CZ" dirty="0" smtClean="0">
+                <a:latin typeface="Helvetica Light" charset="0"/>
+                <a:ea typeface="Helvetica Light" charset="0"/>
+                <a:cs typeface="Helvetica Light" charset="0"/>
+              </a:rPr>
+              <a:t>KAL0199</a:t>
+            </a:r>
           </a:p>
         </p:txBody>
       </p:sp>
@@ -3070,7 +3095,7 @@
           <p:nvPr/>
         </p:nvPicPr>
         <p:blipFill>
-          <a:blip r:embed="rId2" cstate="print">
+          <a:blip r:embed="rId2" cstate="screen">
             <a:extLst>
               <a:ext uri="{28A0092B-C50C-407E-A947-70E740481C1C}">
                 <a14:useLocalDpi xmlns:a14="http://schemas.microsoft.com/office/drawing/2010/main"/>
@@ -3083,8 +3108,8 @@
         </p:blipFill>
         <p:spPr>
           <a:xfrm>
-            <a:off x="258288" y="3509963"/>
-            <a:ext cx="2615540" cy="3031357"/>
+            <a:off x="3185184" y="239149"/>
+            <a:ext cx="2773631" cy="3214581"/>
           </a:xfrm>
           <a:prstGeom prst="rect">
             <a:avLst/>
@@ -3149,6 +3174,305 @@
                 <a:ea typeface="Helvetica Light" charset="0"/>
                 <a:cs typeface="Helvetica Light" charset="0"/>
               </a:rPr>
+              <a:t>Zadání</a:t>
+            </a:r>
+            <a:endParaRPr lang="cs-CZ" dirty="0">
+              <a:latin typeface="Helvetica Light" charset="0"/>
+              <a:ea typeface="Helvetica Light" charset="0"/>
+              <a:cs typeface="Helvetica Light" charset="0"/>
+            </a:endParaRPr>
+          </a:p>
+        </p:txBody>
+      </p:sp>
+      <p:sp>
+        <p:nvSpPr>
+          <p:cNvPr id="3" name="Content Placeholder 2"/>
+          <p:cNvSpPr>
+            <a:spLocks noGrp="1"/>
+          </p:cNvSpPr>
+          <p:nvPr>
+            <p:ph idx="1"/>
+          </p:nvPr>
+        </p:nvSpPr>
+        <p:spPr/>
+        <p:txBody>
+          <a:bodyPr/>
+          <a:lstStyle/>
+          <a:p>
+            <a:r>
+              <a:rPr lang="cs-CZ" dirty="0" smtClean="0">
+                <a:latin typeface="Helvetica Light" charset="0"/>
+                <a:ea typeface="Helvetica Light" charset="0"/>
+                <a:cs typeface="Helvetica Light" charset="0"/>
+              </a:rPr>
+              <a:t>Vypočítat hodnoty matice pomocí Gaussovy eliminační metody</a:t>
+            </a:r>
+          </a:p>
+          <a:p>
+            <a:r>
+              <a:rPr lang="cs-CZ" dirty="0" smtClean="0">
+                <a:latin typeface="Helvetica Light" charset="0"/>
+                <a:ea typeface="Helvetica Light" charset="0"/>
+                <a:cs typeface="Helvetica Light" charset="0"/>
+              </a:rPr>
+              <a:t>Načítat matici ze souboru</a:t>
+            </a:r>
+          </a:p>
+          <a:p>
+            <a:r>
+              <a:rPr lang="cs-CZ" dirty="0" smtClean="0">
+                <a:latin typeface="Helvetica Light" charset="0"/>
+                <a:ea typeface="Helvetica Light" charset="0"/>
+                <a:cs typeface="Helvetica Light" charset="0"/>
+              </a:rPr>
+              <a:t>Načítat validovanou matici od uživatele</a:t>
+            </a:r>
+            <a:endParaRPr lang="cs-CZ" dirty="0" smtClean="0">
+              <a:latin typeface="Helvetica Light" charset="0"/>
+              <a:ea typeface="Helvetica Light" charset="0"/>
+              <a:cs typeface="Helvetica Light" charset="0"/>
+            </a:endParaRPr>
+          </a:p>
+          <a:p>
+            <a:r>
+              <a:rPr lang="cs-CZ" dirty="0" smtClean="0">
+                <a:latin typeface="Helvetica Light" charset="0"/>
+                <a:ea typeface="Helvetica Light" charset="0"/>
+                <a:cs typeface="Helvetica Light" charset="0"/>
+              </a:rPr>
+              <a:t>Ukládat výsledky do souboru HTML</a:t>
+            </a:r>
+          </a:p>
+          <a:p>
+            <a:r>
+              <a:rPr lang="cs-CZ" dirty="0" smtClean="0">
+                <a:latin typeface="Helvetica Light" charset="0"/>
+                <a:ea typeface="Helvetica Light" charset="0"/>
+                <a:cs typeface="Helvetica Light" charset="0"/>
+              </a:rPr>
+              <a:t>Dynamické dvourozměrné pole</a:t>
+            </a:r>
+          </a:p>
+          <a:p>
+            <a:r>
+              <a:rPr lang="cs-CZ" dirty="0" smtClean="0">
+                <a:latin typeface="Helvetica Light" charset="0"/>
+                <a:ea typeface="Helvetica Light" charset="0"/>
+                <a:cs typeface="Helvetica Light" charset="0"/>
+              </a:rPr>
+              <a:t>Vypočítat determinant</a:t>
+            </a:r>
+            <a:endParaRPr lang="cs-CZ" dirty="0" smtClean="0">
+              <a:latin typeface="Helvetica Light" charset="0"/>
+              <a:ea typeface="Helvetica Light" charset="0"/>
+              <a:cs typeface="Helvetica Light" charset="0"/>
+            </a:endParaRPr>
+          </a:p>
+        </p:txBody>
+      </p:sp>
+    </p:spTree>
+    <p:extLst>
+      <p:ext uri="{BB962C8B-B14F-4D97-AF65-F5344CB8AC3E}">
+        <p14:creationId xmlns:p14="http://schemas.microsoft.com/office/powerpoint/2010/main" val="399029651"/>
+      </p:ext>
+    </p:extLst>
+  </p:cSld>
+  <p:clrMapOvr>
+    <a:masterClrMapping/>
+  </p:clrMapOvr>
+  <p:timing>
+    <p:tnLst>
+      <p:par>
+        <p:cTn id="1" dur="indefinite" restart="never" nodeType="tmRoot"/>
+      </p:par>
+    </p:tnLst>
+  </p:timing>
+</p:sld>
+</file>
+
+<file path=ppt/slides/slide3.xml><?xml version="1.0" encoding="utf-8"?>
+<p:sld xmlns:a="http://schemas.openxmlformats.org/drawingml/2006/main" xmlns:r="http://schemas.openxmlformats.org/officeDocument/2006/relationships" xmlns:p="http://schemas.openxmlformats.org/presentationml/2006/main">
+  <p:cSld>
+    <p:spTree>
+      <p:nvGrpSpPr>
+        <p:cNvPr id="1" name=""/>
+        <p:cNvGrpSpPr/>
+        <p:nvPr/>
+      </p:nvGrpSpPr>
+      <p:grpSpPr>
+        <a:xfrm>
+          <a:off x="0" y="0"/>
+          <a:ext cx="0" cy="0"/>
+          <a:chOff x="0" y="0"/>
+          <a:chExt cx="0" cy="0"/>
+        </a:xfrm>
+      </p:grpSpPr>
+      <p:sp>
+        <p:nvSpPr>
+          <p:cNvPr id="2" name="Title 1"/>
+          <p:cNvSpPr>
+            <a:spLocks noGrp="1"/>
+          </p:cNvSpPr>
+          <p:nvPr>
+            <p:ph type="title"/>
+          </p:nvPr>
+        </p:nvSpPr>
+        <p:spPr/>
+        <p:txBody>
+          <a:bodyPr/>
+          <a:lstStyle/>
+          <a:p>
+            <a:r>
+              <a:rPr lang="cs-CZ" dirty="0" smtClean="0">
+                <a:latin typeface="Helvetica Light" charset="0"/>
+                <a:ea typeface="Helvetica Light" charset="0"/>
+                <a:cs typeface="Helvetica Light" charset="0"/>
+              </a:rPr>
+              <a:t>Co program umí?</a:t>
+            </a:r>
+            <a:endParaRPr lang="cs-CZ" dirty="0">
+              <a:latin typeface="Helvetica Light" charset="0"/>
+              <a:ea typeface="Helvetica Light" charset="0"/>
+              <a:cs typeface="Helvetica Light" charset="0"/>
+            </a:endParaRPr>
+          </a:p>
+        </p:txBody>
+      </p:sp>
+      <p:sp>
+        <p:nvSpPr>
+          <p:cNvPr id="3" name="Content Placeholder 2"/>
+          <p:cNvSpPr>
+            <a:spLocks noGrp="1"/>
+          </p:cNvSpPr>
+          <p:nvPr>
+            <p:ph idx="1"/>
+          </p:nvPr>
+        </p:nvSpPr>
+        <p:spPr/>
+        <p:txBody>
+          <a:bodyPr/>
+          <a:lstStyle/>
+          <a:p>
+            <a:r>
+              <a:rPr lang="cs-CZ" dirty="0" smtClean="0">
+                <a:latin typeface="Helvetica Light" charset="0"/>
+                <a:ea typeface="Helvetica Light" charset="0"/>
+                <a:cs typeface="Helvetica Light" charset="0"/>
+              </a:rPr>
+              <a:t>Optimalizovat pořadí řádků matice, aby nebyla  nula na hlavní diagonále</a:t>
+            </a:r>
+          </a:p>
+          <a:p>
+            <a:r>
+              <a:rPr lang="cs-CZ" dirty="0" smtClean="0">
+                <a:latin typeface="Helvetica Light" charset="0"/>
+                <a:ea typeface="Helvetica Light" charset="0"/>
+                <a:cs typeface="Helvetica Light" charset="0"/>
+              </a:rPr>
+              <a:t>Počítat velké matice (více jak 100x101)</a:t>
+            </a:r>
+          </a:p>
+          <a:p>
+            <a:r>
+              <a:rPr lang="cs-CZ" dirty="0" smtClean="0">
+                <a:latin typeface="Helvetica Light" charset="0"/>
+                <a:ea typeface="Helvetica Light" charset="0"/>
+                <a:cs typeface="Helvetica Light" charset="0"/>
+              </a:rPr>
+              <a:t>Ověřovat při zápisu výsledku, zda-</a:t>
+            </a:r>
+            <a:r>
+              <a:rPr lang="cs-CZ" dirty="0" err="1" smtClean="0">
+                <a:latin typeface="Helvetica Light" charset="0"/>
+                <a:ea typeface="Helvetica Light" charset="0"/>
+                <a:cs typeface="Helvetica Light" charset="0"/>
+              </a:rPr>
+              <a:t>li</a:t>
+            </a:r>
+            <a:r>
+              <a:rPr lang="cs-CZ" dirty="0" smtClean="0">
+                <a:latin typeface="Helvetica Light" charset="0"/>
+                <a:ea typeface="Helvetica Light" charset="0"/>
+                <a:cs typeface="Helvetica Light" charset="0"/>
+              </a:rPr>
+              <a:t> soubor již existuje</a:t>
+            </a:r>
+          </a:p>
+          <a:p>
+            <a:r>
+              <a:rPr lang="cs-CZ" dirty="0" smtClean="0">
+                <a:latin typeface="Helvetica Light" charset="0"/>
+                <a:ea typeface="Helvetica Light" charset="0"/>
+                <a:cs typeface="Helvetica Light" charset="0"/>
+              </a:rPr>
+              <a:t>Vypočítat matici, jenž obsahuje hodně nul</a:t>
+            </a:r>
+            <a:endParaRPr lang="cs-CZ" dirty="0" smtClean="0">
+              <a:latin typeface="Helvetica Light" charset="0"/>
+              <a:ea typeface="Helvetica Light" charset="0"/>
+              <a:cs typeface="Helvetica Light" charset="0"/>
+            </a:endParaRPr>
+          </a:p>
+        </p:txBody>
+      </p:sp>
+    </p:spTree>
+    <p:extLst>
+      <p:ext uri="{BB962C8B-B14F-4D97-AF65-F5344CB8AC3E}">
+        <p14:creationId xmlns:p14="http://schemas.microsoft.com/office/powerpoint/2010/main" val="1750322521"/>
+      </p:ext>
+    </p:extLst>
+  </p:cSld>
+  <p:clrMapOvr>
+    <a:masterClrMapping/>
+  </p:clrMapOvr>
+  <p:timing>
+    <p:tnLst>
+      <p:par>
+        <p:cTn id="1" dur="indefinite" restart="never" nodeType="tmRoot"/>
+      </p:par>
+    </p:tnLst>
+  </p:timing>
+</p:sld>
+</file>
+
+<file path=ppt/slides/slide4.xml><?xml version="1.0" encoding="utf-8"?>
+<p:sld xmlns:a="http://schemas.openxmlformats.org/drawingml/2006/main" xmlns:r="http://schemas.openxmlformats.org/officeDocument/2006/relationships" xmlns:p="http://schemas.openxmlformats.org/presentationml/2006/main">
+  <p:cSld>
+    <p:spTree>
+      <p:nvGrpSpPr>
+        <p:cNvPr id="1" name=""/>
+        <p:cNvGrpSpPr/>
+        <p:nvPr/>
+      </p:nvGrpSpPr>
+      <p:grpSpPr>
+        <a:xfrm>
+          <a:off x="0" y="0"/>
+          <a:ext cx="0" cy="0"/>
+          <a:chOff x="0" y="0"/>
+          <a:chExt cx="0" cy="0"/>
+        </a:xfrm>
+      </p:grpSpPr>
+      <p:sp>
+        <p:nvSpPr>
+          <p:cNvPr id="2" name="Title 1"/>
+          <p:cNvSpPr>
+            <a:spLocks noGrp="1"/>
+          </p:cNvSpPr>
+          <p:nvPr>
+            <p:ph type="title"/>
+          </p:nvPr>
+        </p:nvSpPr>
+        <p:spPr/>
+        <p:txBody>
+          <a:bodyPr/>
+          <a:lstStyle/>
+          <a:p>
+            <a:r>
+              <a:rPr lang="cs-CZ" dirty="0" smtClean="0">
+                <a:latin typeface="Helvetica Light" charset="0"/>
+                <a:ea typeface="Helvetica Light" charset="0"/>
+                <a:cs typeface="Helvetica Light" charset="0"/>
+              </a:rPr>
               <a:t>Speciální funkce v programu</a:t>
             </a:r>
             <a:endParaRPr lang="cs-CZ" dirty="0">
@@ -3199,6 +3523,32 @@
             </a:r>
           </a:p>
           <a:p>
+            <a:r>
+              <a:rPr lang="cs-CZ" dirty="0" smtClean="0">
+                <a:latin typeface="Helvetica Light" charset="0"/>
+                <a:ea typeface="Helvetica Light" charset="0"/>
+                <a:cs typeface="Helvetica Light" charset="0"/>
+              </a:rPr>
+              <a:t>Název </a:t>
+            </a:r>
+            <a:r>
+              <a:rPr lang="cs-CZ" dirty="0" smtClean="0">
+                <a:latin typeface="Helvetica Light" charset="0"/>
+                <a:ea typeface="Helvetica Light" charset="0"/>
+                <a:cs typeface="Helvetica Light" charset="0"/>
+              </a:rPr>
+              <a:t>zdrojového souboru lze zadat jako cestu</a:t>
+            </a:r>
+          </a:p>
+          <a:p>
+            <a:r>
+              <a:rPr lang="cs-CZ" dirty="0" smtClean="0">
+                <a:latin typeface="Helvetica Light" charset="0"/>
+                <a:ea typeface="Helvetica Light" charset="0"/>
+                <a:cs typeface="Helvetica Light" charset="0"/>
+              </a:rPr>
+              <a:t>Název výstupního souboru se validuje pomocí regulárního výrazu</a:t>
+            </a:r>
             <a:endParaRPr lang="cs-CZ" dirty="0">
               <a:latin typeface="Helvetica Light" charset="0"/>
               <a:ea typeface="Helvetica Light" charset="0"/>
@@ -3210,7 +3560,163 @@
     </p:spTree>
     <p:extLst>
       <p:ext uri="{BB962C8B-B14F-4D97-AF65-F5344CB8AC3E}">
-        <p14:creationId xmlns:p14="http://schemas.microsoft.com/office/powerpoint/2010/main" val="399029651"/>
+        <p14:creationId xmlns:p14="http://schemas.microsoft.com/office/powerpoint/2010/main" val="1306292427"/>
+      </p:ext>
+    </p:extLst>
+  </p:cSld>
+  <p:clrMapOvr>
+    <a:masterClrMapping/>
+  </p:clrMapOvr>
+  <p:timing>
+    <p:tnLst>
+      <p:par>
+        <p:cTn id="1" dur="indefinite" restart="never" nodeType="tmRoot"/>
+      </p:par>
+    </p:tnLst>
+  </p:timing>
+</p:sld>
+</file>
+
+<file path=ppt/slides/slide5.xml><?xml version="1.0" encoding="utf-8"?>
+<p:sld xmlns:a="http://schemas.openxmlformats.org/drawingml/2006/main" xmlns:r="http://schemas.openxmlformats.org/officeDocument/2006/relationships" xmlns:p="http://schemas.openxmlformats.org/presentationml/2006/main">
+  <p:cSld>
+    <p:spTree>
+      <p:nvGrpSpPr>
+        <p:cNvPr id="1" name=""/>
+        <p:cNvGrpSpPr/>
+        <p:nvPr/>
+      </p:nvGrpSpPr>
+      <p:grpSpPr>
+        <a:xfrm>
+          <a:off x="0" y="0"/>
+          <a:ext cx="0" cy="0"/>
+          <a:chOff x="0" y="0"/>
+          <a:chExt cx="0" cy="0"/>
+        </a:xfrm>
+      </p:grpSpPr>
+      <p:sp>
+        <p:nvSpPr>
+          <p:cNvPr id="2" name="Title 1"/>
+          <p:cNvSpPr>
+            <a:spLocks noGrp="1"/>
+          </p:cNvSpPr>
+          <p:nvPr>
+            <p:ph type="title"/>
+          </p:nvPr>
+        </p:nvSpPr>
+        <p:spPr/>
+        <p:txBody>
+          <a:bodyPr/>
+          <a:lstStyle/>
+          <a:p>
+            <a:r>
+              <a:rPr lang="cs-CZ" dirty="0" smtClean="0">
+                <a:latin typeface="Helvetica Light" charset="0"/>
+                <a:ea typeface="Helvetica Light" charset="0"/>
+                <a:cs typeface="Helvetica Light" charset="0"/>
+              </a:rPr>
+              <a:t>Výstup</a:t>
+            </a:r>
+            <a:endParaRPr lang="cs-CZ" dirty="0">
+              <a:latin typeface="Helvetica Light" charset="0"/>
+              <a:ea typeface="Helvetica Light" charset="0"/>
+              <a:cs typeface="Helvetica Light" charset="0"/>
+            </a:endParaRPr>
+          </a:p>
+        </p:txBody>
+      </p:sp>
+      <p:sp>
+        <p:nvSpPr>
+          <p:cNvPr id="3" name="Content Placeholder 2"/>
+          <p:cNvSpPr>
+            <a:spLocks noGrp="1"/>
+          </p:cNvSpPr>
+          <p:nvPr>
+            <p:ph idx="1"/>
+          </p:nvPr>
+        </p:nvSpPr>
+        <p:spPr/>
+        <p:txBody>
+          <a:bodyPr/>
+          <a:lstStyle/>
+          <a:p>
+            <a:r>
+              <a:rPr lang="cs-CZ" dirty="0" smtClean="0">
+                <a:latin typeface="Helvetica Light" charset="0"/>
+                <a:ea typeface="Helvetica Light" charset="0"/>
+                <a:cs typeface="Helvetica Light" charset="0"/>
+              </a:rPr>
+              <a:t>Soubor HTML verze 5</a:t>
+            </a:r>
+          </a:p>
+          <a:p>
+            <a:r>
+              <a:rPr lang="cs-CZ" dirty="0" smtClean="0">
+                <a:latin typeface="Helvetica Light" charset="0"/>
+                <a:ea typeface="Helvetica Light" charset="0"/>
+                <a:cs typeface="Helvetica Light" charset="0"/>
+              </a:rPr>
+              <a:t>Ověřování, aby soubor</a:t>
+            </a:r>
+            <a:r>
+              <a:rPr lang="cs-CZ" dirty="0">
+                <a:latin typeface="Helvetica Light" charset="0"/>
+                <a:ea typeface="Helvetica Light" charset="0"/>
+                <a:cs typeface="Helvetica Light" charset="0"/>
+              </a:rPr>
+              <a:t/>
+            </a:r>
+            <a:br>
+              <a:rPr lang="cs-CZ" dirty="0">
+                <a:latin typeface="Helvetica Light" charset="0"/>
+                <a:ea typeface="Helvetica Light" charset="0"/>
+                <a:cs typeface="Helvetica Light" charset="0"/>
+              </a:rPr>
+            </a:br>
+            <a:r>
+              <a:rPr lang="cs-CZ" dirty="0" smtClean="0">
+                <a:latin typeface="Helvetica Light" charset="0"/>
+                <a:ea typeface="Helvetica Light" charset="0"/>
+                <a:cs typeface="Helvetica Light" charset="0"/>
+              </a:rPr>
+              <a:t>nebyl přepsat</a:t>
+            </a:r>
+            <a:endParaRPr lang="cs-CZ" dirty="0" smtClean="0">
+              <a:latin typeface="Helvetica Light" charset="0"/>
+              <a:ea typeface="Helvetica Light" charset="0"/>
+              <a:cs typeface="Helvetica Light" charset="0"/>
+            </a:endParaRPr>
+          </a:p>
+        </p:txBody>
+      </p:sp>
+      <p:pic>
+        <p:nvPicPr>
+          <p:cNvPr id="4" name="Picture 3"/>
+          <p:cNvPicPr>
+            <a:picLocks noChangeAspect="1"/>
+          </p:cNvPicPr>
+          <p:nvPr/>
+        </p:nvPicPr>
+        <p:blipFill>
+          <a:blip r:embed="rId2"/>
+          <a:stretch>
+            <a:fillRect/>
+          </a:stretch>
+        </p:blipFill>
+        <p:spPr>
+          <a:xfrm>
+            <a:off x="5756069" y="1027907"/>
+            <a:ext cx="2667000" cy="4673600"/>
+          </a:xfrm>
+          <a:prstGeom prst="rect">
+            <a:avLst/>
+          </a:prstGeom>
+        </p:spPr>
+      </p:pic>
+    </p:spTree>
+    <p:extLst>
+      <p:ext uri="{BB962C8B-B14F-4D97-AF65-F5344CB8AC3E}">
+        <p14:creationId xmlns:p14="http://schemas.microsoft.com/office/powerpoint/2010/main" val="1939457746"/>
       </p:ext>
     </p:extLst>
   </p:cSld>
